--- a/travel.ly.pptx
+++ b/travel.ly.pptx
@@ -1,80 +1,47 @@
 
 <file path=ppt/presentation.xml><?xml version="1.0" encoding="utf-8"?>
-<p:presentation xmlns:a="http://schemas.openxmlformats.org/drawingml/2006/main" xmlns:r="http://schemas.openxmlformats.org/officeDocument/2006/relationships" xmlns:p="http://schemas.openxmlformats.org/presentationml/2006/main" saveSubsetFonts="1" embedTrueTypeFonts="true">
+<p:presentation xmlns:a="http://schemas.openxmlformats.org/drawingml/2006/main" xmlns:r="http://schemas.openxmlformats.org/officeDocument/2006/relationships" xmlns:p="http://schemas.openxmlformats.org/presentationml/2006/main" embedTrueTypeFonts="1" saveSubsetFonts="1">
   <p:sldMasterIdLst>
     <p:sldMasterId id="2147483648" r:id="rId1"/>
   </p:sldMasterIdLst>
   <p:sldIdLst>
-    <p:sldId id="256" r:id="rId21"/>
-    <p:sldId id="257" r:id="rId22"/>
-    <p:sldId id="258" r:id="rId23"/>
-    <p:sldId id="259" r:id="rId24"/>
-    <p:sldId id="260" r:id="rId25"/>
-    <p:sldId id="261" r:id="rId26"/>
-    <p:sldId id="262" r:id="rId27"/>
+    <p:sldId id="256" r:id="rId2"/>
+    <p:sldId id="257" r:id="rId3"/>
+    <p:sldId id="258" r:id="rId4"/>
+    <p:sldId id="259" r:id="rId5"/>
+    <p:sldId id="260" r:id="rId6"/>
+    <p:sldId id="261" r:id="rId7"/>
+    <p:sldId id="262" r:id="rId8"/>
   </p:sldIdLst>
   <p:sldSz cx="18288000" cy="10287000"/>
   <p:notesSz cx="6858000" cy="9144000"/>
   <p:embeddedFontLst>
     <p:embeddedFont>
-      <p:font typeface="Arimo" charset="1" panose="020B0604020202020204"/>
-      <p:regular r:id="rId6"/>
-    </p:embeddedFont>
-    <p:embeddedFont>
-      <p:font typeface="Arimo Bold" charset="1" panose="020B0704020202020204"/>
-      <p:regular r:id="rId7"/>
-    </p:embeddedFont>
-    <p:embeddedFont>
-      <p:font typeface="Arimo Italics" charset="1" panose="020B0604020202090204"/>
-      <p:regular r:id="rId8"/>
-    </p:embeddedFont>
-    <p:embeddedFont>
-      <p:font typeface="Arimo Bold Italics" charset="1" panose="020B0704020202090204"/>
+      <p:font typeface="Open Sans Extra Bold" panose="020B0604020202020204" charset="0"/>
       <p:regular r:id="rId9"/>
     </p:embeddedFont>
     <p:embeddedFont>
-      <p:font typeface="Kodchasan" charset="1" panose="00000500000000000000"/>
+      <p:font typeface="Kodchasan Bold" panose="020B0604020202020204" charset="-34"/>
       <p:regular r:id="rId10"/>
     </p:embeddedFont>
     <p:embeddedFont>
-      <p:font typeface="Kodchasan Bold" charset="1" panose="00000800000000000000"/>
+      <p:font typeface="Calibri" panose="020F0502020204030204" pitchFamily="34" charset="0"/>
       <p:regular r:id="rId11"/>
+      <p:bold r:id="rId12"/>
+      <p:italic r:id="rId13"/>
+      <p:boldItalic r:id="rId14"/>
     </p:embeddedFont>
     <p:embeddedFont>
-      <p:font typeface="Kodchasan Italics" charset="1" panose="00000500000000000000"/>
-      <p:regular r:id="rId12"/>
-    </p:embeddedFont>
-    <p:embeddedFont>
-      <p:font typeface="Kodchasan Bold Italics" charset="1" panose="00000800000000000000"/>
-      <p:regular r:id="rId13"/>
-    </p:embeddedFont>
-    <p:embeddedFont>
-      <p:font typeface="Open Sans" charset="1" panose="020B0606030504020204"/>
-      <p:regular r:id="rId14"/>
-    </p:embeddedFont>
-    <p:embeddedFont>
-      <p:font typeface="Open Sans Bold" charset="1" panose="020B0806030504020204"/>
+      <p:font typeface="Arimo" panose="020B0604020202020204" charset="0"/>
       <p:regular r:id="rId15"/>
     </p:embeddedFont>
     <p:embeddedFont>
-      <p:font typeface="Open Sans Italics" charset="1" panose="020B0606030504020204"/>
+      <p:font typeface="Pagkaki" panose="020B0604020202020204" charset="0"/>
       <p:regular r:id="rId16"/>
     </p:embeddedFont>
     <p:embeddedFont>
-      <p:font typeface="Open Sans Bold Italics" charset="1" panose="020B0806030504020204"/>
+      <p:font typeface="Open Sans" panose="020B0604020202020204" charset="0"/>
       <p:regular r:id="rId17"/>
-    </p:embeddedFont>
-    <p:embeddedFont>
-      <p:font typeface="Open Sans Extra Bold" charset="1" panose="020B0906030804020204"/>
-      <p:regular r:id="rId18"/>
-    </p:embeddedFont>
-    <p:embeddedFont>
-      <p:font typeface="Open Sans Extra Bold Italics" charset="1" panose="020B0906030804020204"/>
-      <p:regular r:id="rId19"/>
-    </p:embeddedFont>
-    <p:embeddedFont>
-      <p:font typeface="Pagkaki" charset="1" panose="00000500000000000000"/>
-      <p:regular r:id="rId20"/>
     </p:embeddedFont>
   </p:embeddedFontLst>
   <p:defaultTextStyle>
@@ -172,6 +139,22 @@
       </a:defRPr>
     </a:lvl9pPr>
   </p:defaultTextStyle>
+  <p:extLst>
+    <p:ext uri="{EFAFB233-063F-42B5-8137-9DF3F51BA10A}">
+      <p15:sldGuideLst xmlns:p15="http://schemas.microsoft.com/office/powerpoint/2012/main">
+        <p15:guide id="1" orient="horz" pos="2160">
+          <p15:clr>
+            <a:srgbClr val="A4A3A4"/>
+          </p15:clr>
+        </p15:guide>
+        <p15:guide id="2" pos="2880">
+          <p15:clr>
+            <a:srgbClr val="A4A3A4"/>
+          </p15:clr>
+        </p15:guide>
+      </p15:sldGuideLst>
+    </p:ext>
+  </p:extLst>
 </p:presentation>
 </file>
 
@@ -357,7 +340,7 @@
             <a:fld id="{1D8BD707-D9CF-40AE-B4C6-C98DA3205C09}" type="datetimeFigureOut">
               <a:rPr lang="en-US" smtClean="0"/>
               <a:pPr/>
-              <a:t>8/1/2011</a:t>
+              <a:t>12/1/2021</a:t>
             </a:fld>
             <a:endParaRPr lang="en-US"/>
           </a:p>
@@ -400,7 +383,7 @@
             <a:fld id="{B6F15528-21DE-4FAA-801E-634DDDAF4B2B}" type="slidenum">
               <a:rPr lang="en-US" smtClean="0"/>
               <a:pPr/>
-              <a:t>‹#›</a:t>
+              <a:t>‹nº›</a:t>
             </a:fld>
             <a:endParaRPr lang="en-US"/>
           </a:p>
@@ -524,7 +507,7 @@
             <a:fld id="{1D8BD707-D9CF-40AE-B4C6-C98DA3205C09}" type="datetimeFigureOut">
               <a:rPr lang="en-US" smtClean="0"/>
               <a:pPr/>
-              <a:t>8/1/2011</a:t>
+              <a:t>12/1/2021</a:t>
             </a:fld>
             <a:endParaRPr lang="en-US"/>
           </a:p>
@@ -567,7 +550,7 @@
             <a:fld id="{B6F15528-21DE-4FAA-801E-634DDDAF4B2B}" type="slidenum">
               <a:rPr lang="en-US" smtClean="0"/>
               <a:pPr/>
-              <a:t>‹#›</a:t>
+              <a:t>‹nº›</a:t>
             </a:fld>
             <a:endParaRPr lang="en-US"/>
           </a:p>
@@ -701,7 +684,7 @@
             <a:fld id="{1D8BD707-D9CF-40AE-B4C6-C98DA3205C09}" type="datetimeFigureOut">
               <a:rPr lang="en-US" smtClean="0"/>
               <a:pPr/>
-              <a:t>8/1/2011</a:t>
+              <a:t>12/1/2021</a:t>
             </a:fld>
             <a:endParaRPr lang="en-US"/>
           </a:p>
@@ -744,7 +727,7 @@
             <a:fld id="{B6F15528-21DE-4FAA-801E-634DDDAF4B2B}" type="slidenum">
               <a:rPr lang="en-US" smtClean="0"/>
               <a:pPr/>
-              <a:t>‹#›</a:t>
+              <a:t>‹nº›</a:t>
             </a:fld>
             <a:endParaRPr lang="en-US"/>
           </a:p>
@@ -868,7 +851,7 @@
             <a:fld id="{1D8BD707-D9CF-40AE-B4C6-C98DA3205C09}" type="datetimeFigureOut">
               <a:rPr lang="en-US" smtClean="0"/>
               <a:pPr/>
-              <a:t>8/1/2011</a:t>
+              <a:t>12/1/2021</a:t>
             </a:fld>
             <a:endParaRPr lang="en-US"/>
           </a:p>
@@ -911,7 +894,7 @@
             <a:fld id="{B6F15528-21DE-4FAA-801E-634DDDAF4B2B}" type="slidenum">
               <a:rPr lang="en-US" smtClean="0"/>
               <a:pPr/>
-              <a:t>‹#›</a:t>
+              <a:t>‹nº›</a:t>
             </a:fld>
             <a:endParaRPr lang="en-US"/>
           </a:p>
@@ -1111,7 +1094,7 @@
             <a:fld id="{1D8BD707-D9CF-40AE-B4C6-C98DA3205C09}" type="datetimeFigureOut">
               <a:rPr lang="en-US" smtClean="0"/>
               <a:pPr/>
-              <a:t>8/1/2011</a:t>
+              <a:t>12/1/2021</a:t>
             </a:fld>
             <a:endParaRPr lang="en-US"/>
           </a:p>
@@ -1154,7 +1137,7 @@
             <a:fld id="{B6F15528-21DE-4FAA-801E-634DDDAF4B2B}" type="slidenum">
               <a:rPr lang="en-US" smtClean="0"/>
               <a:pPr/>
-              <a:t>‹#›</a:t>
+              <a:t>‹nº›</a:t>
             </a:fld>
             <a:endParaRPr lang="en-US"/>
           </a:p>
@@ -1396,7 +1379,7 @@
             <a:fld id="{1D8BD707-D9CF-40AE-B4C6-C98DA3205C09}" type="datetimeFigureOut">
               <a:rPr lang="en-US" smtClean="0"/>
               <a:pPr/>
-              <a:t>8/1/2011</a:t>
+              <a:t>12/1/2021</a:t>
             </a:fld>
             <a:endParaRPr lang="en-US"/>
           </a:p>
@@ -1439,7 +1422,7 @@
             <a:fld id="{B6F15528-21DE-4FAA-801E-634DDDAF4B2B}" type="slidenum">
               <a:rPr lang="en-US" smtClean="0"/>
               <a:pPr/>
-              <a:t>‹#›</a:t>
+              <a:t>‹nº›</a:t>
             </a:fld>
             <a:endParaRPr lang="en-US"/>
           </a:p>
@@ -1815,7 +1798,7 @@
             <a:fld id="{1D8BD707-D9CF-40AE-B4C6-C98DA3205C09}" type="datetimeFigureOut">
               <a:rPr lang="en-US" smtClean="0"/>
               <a:pPr/>
-              <a:t>8/1/2011</a:t>
+              <a:t>12/1/2021</a:t>
             </a:fld>
             <a:endParaRPr lang="en-US"/>
           </a:p>
@@ -1858,7 +1841,7 @@
             <a:fld id="{B6F15528-21DE-4FAA-801E-634DDDAF4B2B}" type="slidenum">
               <a:rPr lang="en-US" smtClean="0"/>
               <a:pPr/>
-              <a:t>‹#›</a:t>
+              <a:t>‹nº›</a:t>
             </a:fld>
             <a:endParaRPr lang="en-US"/>
           </a:p>
@@ -1930,7 +1913,7 @@
             <a:fld id="{1D8BD707-D9CF-40AE-B4C6-C98DA3205C09}" type="datetimeFigureOut">
               <a:rPr lang="en-US" smtClean="0"/>
               <a:pPr/>
-              <a:t>8/1/2011</a:t>
+              <a:t>12/1/2021</a:t>
             </a:fld>
             <a:endParaRPr lang="en-US"/>
           </a:p>
@@ -1973,7 +1956,7 @@
             <a:fld id="{B6F15528-21DE-4FAA-801E-634DDDAF4B2B}" type="slidenum">
               <a:rPr lang="en-US" smtClean="0"/>
               <a:pPr/>
-              <a:t>‹#›</a:t>
+              <a:t>‹nº›</a:t>
             </a:fld>
             <a:endParaRPr lang="en-US"/>
           </a:p>
@@ -2022,7 +2005,7 @@
             <a:fld id="{1D8BD707-D9CF-40AE-B4C6-C98DA3205C09}" type="datetimeFigureOut">
               <a:rPr lang="en-US" smtClean="0"/>
               <a:pPr/>
-              <a:t>8/1/2011</a:t>
+              <a:t>12/1/2021</a:t>
             </a:fld>
             <a:endParaRPr lang="en-US"/>
           </a:p>
@@ -2065,7 +2048,7 @@
             <a:fld id="{B6F15528-21DE-4FAA-801E-634DDDAF4B2B}" type="slidenum">
               <a:rPr lang="en-US" smtClean="0"/>
               <a:pPr/>
-              <a:t>‹#›</a:t>
+              <a:t>‹nº›</a:t>
             </a:fld>
             <a:endParaRPr lang="en-US"/>
           </a:p>
@@ -2296,7 +2279,7 @@
             <a:fld id="{1D8BD707-D9CF-40AE-B4C6-C98DA3205C09}" type="datetimeFigureOut">
               <a:rPr lang="en-US" smtClean="0"/>
               <a:pPr/>
-              <a:t>8/1/2011</a:t>
+              <a:t>12/1/2021</a:t>
             </a:fld>
             <a:endParaRPr lang="en-US"/>
           </a:p>
@@ -2339,7 +2322,7 @@
             <a:fld id="{B6F15528-21DE-4FAA-801E-634DDDAF4B2B}" type="slidenum">
               <a:rPr lang="en-US" smtClean="0"/>
               <a:pPr/>
-              <a:t>‹#›</a:t>
+              <a:t>‹nº›</a:t>
             </a:fld>
             <a:endParaRPr lang="en-US"/>
           </a:p>
@@ -2546,7 +2529,7 @@
             <a:fld id="{1D8BD707-D9CF-40AE-B4C6-C98DA3205C09}" type="datetimeFigureOut">
               <a:rPr lang="en-US" smtClean="0"/>
               <a:pPr/>
-              <a:t>8/1/2011</a:t>
+              <a:t>12/1/2021</a:t>
             </a:fld>
             <a:endParaRPr lang="en-US"/>
           </a:p>
@@ -2589,7 +2572,7 @@
             <a:fld id="{B6F15528-21DE-4FAA-801E-634DDDAF4B2B}" type="slidenum">
               <a:rPr lang="en-US" smtClean="0"/>
               <a:pPr/>
-              <a:t>‹#›</a:t>
+              <a:t>‹nº›</a:t>
             </a:fld>
             <a:endParaRPr lang="en-US"/>
           </a:p>
@@ -2756,7 +2739,7 @@
             <a:fld id="{1D8BD707-D9CF-40AE-B4C6-C98DA3205C09}" type="datetimeFigureOut">
               <a:rPr lang="en-US" smtClean="0"/>
               <a:pPr/>
-              <a:t>8/1/2011</a:t>
+              <a:t>12/1/2021</a:t>
             </a:fld>
             <a:endParaRPr lang="en-US"/>
           </a:p>
@@ -2835,7 +2818,7 @@
             <a:fld id="{B6F15528-21DE-4FAA-801E-634DDDAF4B2B}" type="slidenum">
               <a:rPr lang="en-US" smtClean="0"/>
               <a:pPr/>
-              <a:t>‹#›</a:t>
+              <a:t>‹nº›</a:t>
             </a:fld>
             <a:endParaRPr lang="en-US"/>
           </a:p>
@@ -3111,13 +3094,14 @@
 </file>
 
 <file path=ppt/slides/slide1.xml><?xml version="1.0" encoding="utf-8"?>
-<p:sld xmlns:p="http://schemas.openxmlformats.org/presentationml/2006/main" xmlns:a="http://schemas.openxmlformats.org/drawingml/2006/main" xmlns:r="http://schemas.openxmlformats.org/officeDocument/2006/relationships">
+<p:sld xmlns:a="http://schemas.openxmlformats.org/drawingml/2006/main" xmlns:r="http://schemas.openxmlformats.org/officeDocument/2006/relationships" xmlns:p="http://schemas.openxmlformats.org/presentationml/2006/main">
   <p:cSld>
     <p:bg>
       <p:bgPr>
         <a:solidFill>
           <a:srgbClr val="000000"/>
         </a:solidFill>
+        <a:effectLst/>
       </p:bgPr>
     </p:bg>
     <p:spTree>
@@ -3136,9 +3120,9 @@
       </p:grpSpPr>
       <p:pic>
         <p:nvPicPr>
-          <p:cNvPr name="Picture 2" id="2"/>
+          <p:cNvPr id="2" name="Picture 2"/>
           <p:cNvPicPr>
-            <a:picLocks noChangeAspect="true"/>
+            <a:picLocks noChangeAspect="1"/>
           </p:cNvPicPr>
           <p:nvPr/>
         </p:nvPicPr>
@@ -3150,17 +3134,17 @@
                 <a14:useLocalDpi xmlns:a14="http://schemas.microsoft.com/office/drawing/2010/main" val="0"/>
               </a:ext>
               <a:ext uri="{96DAC541-7B7A-43D3-8B79-37D633B846F1}">
-                <asvg:svgBlip xmlns:asvg="http://schemas.microsoft.com/office/drawing/2016/SVG/main" r:embed="rId3"/>
+                <asvg:svgBlip xmlns:asvg="http://schemas.microsoft.com/office/drawing/2016/SVG/main" xmlns="" r:embed="rId3"/>
               </a:ext>
             </a:extLst>
           </a:blip>
-          <a:srcRect l="0" t="0" r="0" b="0"/>
+          <a:srcRect/>
           <a:stretch>
             <a:fillRect/>
           </a:stretch>
         </p:blipFill>
         <p:spPr>
-          <a:xfrm flipH="false" flipV="false" rot="1091620">
+          <a:xfrm rot="1091620">
             <a:off x="12762033" y="2322568"/>
             <a:ext cx="5366284" cy="5307743"/>
           </a:xfrm>
@@ -3171,9 +3155,9 @@
       </p:pic>
       <p:pic>
         <p:nvPicPr>
-          <p:cNvPr name="Picture 3" id="3"/>
+          <p:cNvPr id="3" name="Picture 3"/>
           <p:cNvPicPr>
-            <a:picLocks noChangeAspect="true"/>
+            <a:picLocks noChangeAspect="1"/>
           </p:cNvPicPr>
           <p:nvPr/>
         </p:nvPicPr>
@@ -3185,17 +3169,17 @@
                 <a14:useLocalDpi xmlns:a14="http://schemas.microsoft.com/office/drawing/2010/main" val="0"/>
               </a:ext>
               <a:ext uri="{96DAC541-7B7A-43D3-8B79-37D633B846F1}">
-                <asvg:svgBlip xmlns:asvg="http://schemas.microsoft.com/office/drawing/2016/SVG/main" r:embed="rId5"/>
+                <asvg:svgBlip xmlns:asvg="http://schemas.microsoft.com/office/drawing/2016/SVG/main" xmlns="" r:embed="rId5"/>
               </a:ext>
             </a:extLst>
           </a:blip>
-          <a:srcRect l="0" t="0" r="0" b="0"/>
+          <a:srcRect/>
           <a:stretch>
             <a:fillRect/>
           </a:stretch>
         </p:blipFill>
         <p:spPr>
-          <a:xfrm flipH="false" flipV="false" rot="777002">
+          <a:xfrm rot="777002">
             <a:off x="-2863451" y="5111426"/>
             <a:ext cx="8662314" cy="7370841"/>
           </a:xfrm>
@@ -3206,9 +3190,9 @@
       </p:pic>
       <p:pic>
         <p:nvPicPr>
-          <p:cNvPr name="Picture 4" id="4"/>
+          <p:cNvPr id="4" name="Picture 4"/>
           <p:cNvPicPr>
-            <a:picLocks noChangeAspect="true"/>
+            <a:picLocks noChangeAspect="1"/>
           </p:cNvPicPr>
           <p:nvPr/>
         </p:nvPicPr>
@@ -3219,17 +3203,17 @@
                 <a14:useLocalDpi xmlns:a14="http://schemas.microsoft.com/office/drawing/2010/main" val="0"/>
               </a:ext>
               <a:ext uri="{96DAC541-7B7A-43D3-8B79-37D633B846F1}">
-                <asvg:svgBlip xmlns:asvg="http://schemas.microsoft.com/office/drawing/2016/SVG/main" r:embed="rId7"/>
+                <asvg:svgBlip xmlns:asvg="http://schemas.microsoft.com/office/drawing/2016/SVG/main" xmlns="" r:embed="rId7"/>
               </a:ext>
             </a:extLst>
           </a:blip>
-          <a:srcRect l="0" t="0" r="0" b="40248"/>
+          <a:srcRect b="40248"/>
           <a:stretch>
             <a:fillRect/>
           </a:stretch>
         </p:blipFill>
         <p:spPr>
-          <a:xfrm flipH="false" flipV="false" rot="-5400000">
+          <a:xfrm rot="-5400000">
             <a:off x="3993107" y="5370986"/>
             <a:ext cx="1089101" cy="7017916"/>
           </a:xfrm>
@@ -3240,9 +3224,9 @@
       </p:pic>
       <p:pic>
         <p:nvPicPr>
-          <p:cNvPr name="Picture 5" id="5"/>
+          <p:cNvPr id="5" name="Picture 5"/>
           <p:cNvPicPr>
-            <a:picLocks noChangeAspect="true"/>
+            <a:picLocks noChangeAspect="1"/>
           </p:cNvPicPr>
           <p:nvPr/>
         </p:nvPicPr>
@@ -3253,17 +3237,17 @@
                 <a14:useLocalDpi xmlns:a14="http://schemas.microsoft.com/office/drawing/2010/main" val="0"/>
               </a:ext>
               <a:ext uri="{96DAC541-7B7A-43D3-8B79-37D633B846F1}">
-                <asvg:svgBlip xmlns:asvg="http://schemas.microsoft.com/office/drawing/2016/SVG/main" r:embed="rId9"/>
+                <asvg:svgBlip xmlns:asvg="http://schemas.microsoft.com/office/drawing/2016/SVG/main" xmlns="" r:embed="rId9"/>
               </a:ext>
             </a:extLst>
           </a:blip>
-          <a:srcRect l="0" t="0" r="0" b="0"/>
+          <a:srcRect/>
           <a:stretch>
             <a:fillRect/>
           </a:stretch>
         </p:blipFill>
         <p:spPr>
-          <a:xfrm flipH="false" flipV="false" rot="1082127">
+          <a:xfrm rot="1082127">
             <a:off x="11009503" y="7326021"/>
             <a:ext cx="1583076" cy="1583076"/>
           </a:xfrm>
@@ -3274,9 +3258,9 @@
       </p:pic>
       <p:pic>
         <p:nvPicPr>
-          <p:cNvPr name="Picture 6" id="6"/>
+          <p:cNvPr id="6" name="Picture 6"/>
           <p:cNvPicPr>
-            <a:picLocks noChangeAspect="true"/>
+            <a:picLocks noChangeAspect="1"/>
           </p:cNvPicPr>
           <p:nvPr/>
         </p:nvPicPr>
@@ -3287,17 +3271,17 @@
                 <a14:useLocalDpi xmlns:a14="http://schemas.microsoft.com/office/drawing/2010/main" val="0"/>
               </a:ext>
               <a:ext uri="{96DAC541-7B7A-43D3-8B79-37D633B846F1}">
-                <asvg:svgBlip xmlns:asvg="http://schemas.microsoft.com/office/drawing/2016/SVG/main" r:embed="rId11"/>
+                <asvg:svgBlip xmlns:asvg="http://schemas.microsoft.com/office/drawing/2016/SVG/main" xmlns="" r:embed="rId11"/>
               </a:ext>
             </a:extLst>
           </a:blip>
-          <a:srcRect l="0" t="0" r="0" b="0"/>
+          <a:srcRect/>
           <a:stretch>
             <a:fillRect/>
           </a:stretch>
         </p:blipFill>
         <p:spPr>
-          <a:xfrm flipH="false" flipV="false" rot="0">
+          <a:xfrm>
             <a:off x="14144666" y="3503691"/>
             <a:ext cx="3211353" cy="5642952"/>
           </a:xfrm>
@@ -3308,9 +3292,9 @@
       </p:pic>
       <p:pic>
         <p:nvPicPr>
-          <p:cNvPr name="Picture 7" id="7"/>
+          <p:cNvPr id="7" name="Picture 7"/>
           <p:cNvPicPr>
-            <a:picLocks noChangeAspect="true"/>
+            <a:picLocks noChangeAspect="1"/>
           </p:cNvPicPr>
           <p:nvPr/>
         </p:nvPicPr>
@@ -3321,17 +3305,17 @@
                 <a14:useLocalDpi xmlns:a14="http://schemas.microsoft.com/office/drawing/2010/main" val="0"/>
               </a:ext>
               <a:ext uri="{96DAC541-7B7A-43D3-8B79-37D633B846F1}">
-                <asvg:svgBlip xmlns:asvg="http://schemas.microsoft.com/office/drawing/2016/SVG/main" r:embed="rId13"/>
+                <asvg:svgBlip xmlns:asvg="http://schemas.microsoft.com/office/drawing/2016/SVG/main" xmlns="" r:embed="rId13"/>
               </a:ext>
             </a:extLst>
           </a:blip>
-          <a:srcRect l="0" t="0" r="0" b="0"/>
+          <a:srcRect/>
           <a:stretch>
             <a:fillRect/>
           </a:stretch>
         </p:blipFill>
         <p:spPr>
-          <a:xfrm flipH="false" flipV="false" rot="-369810">
+          <a:xfrm rot="-369810">
             <a:off x="13812631" y="3195950"/>
             <a:ext cx="3458526" cy="1766992"/>
           </a:xfrm>
@@ -3342,12 +3326,12 @@
       </p:pic>
       <p:sp>
         <p:nvSpPr>
-          <p:cNvPr name="TextBox 8" id="8"/>
-          <p:cNvSpPr txBox="true"/>
+          <p:cNvPr id="8" name="TextBox 8"/>
+          <p:cNvSpPr txBox="1"/>
           <p:nvPr/>
         </p:nvSpPr>
         <p:spPr>
-          <a:xfrm rot="0">
+          <a:xfrm>
             <a:off x="2481781" y="2167717"/>
             <a:ext cx="12537281" cy="2066826"/>
           </a:xfrm>
@@ -3356,12 +3340,12 @@
           </a:prstGeom>
         </p:spPr>
         <p:txBody>
-          <a:bodyPr anchor="t" rtlCol="false" tIns="0" lIns="0" bIns="0" rIns="0">
+          <a:bodyPr lIns="0" tIns="0" rIns="0" bIns="0" rtlCol="0" anchor="t">
             <a:spAutoFit/>
           </a:bodyPr>
           <a:lstStyle/>
           <a:p>
-            <a:pPr algn="l" marL="0" indent="0" lvl="0">
+            <a:pPr marL="0" lvl="0" indent="0" algn="l">
               <a:lnSpc>
                 <a:spcPts val="15200"/>
               </a:lnSpc>
@@ -3383,12 +3367,12 @@
       </p:sp>
       <p:sp>
         <p:nvSpPr>
-          <p:cNvPr name="TextBox 9" id="9"/>
-          <p:cNvSpPr txBox="true"/>
+          <p:cNvPr id="9" name="TextBox 9"/>
+          <p:cNvSpPr txBox="1"/>
           <p:nvPr/>
         </p:nvSpPr>
         <p:spPr>
-          <a:xfrm rot="0">
+          <a:xfrm>
             <a:off x="1420081" y="8603718"/>
             <a:ext cx="6933063" cy="542925"/>
           </a:xfrm>
@@ -3397,12 +3381,12 @@
           </a:prstGeom>
         </p:spPr>
         <p:txBody>
-          <a:bodyPr anchor="t" rtlCol="false" tIns="0" lIns="0" bIns="0" rIns="0">
+          <a:bodyPr lIns="0" tIns="0" rIns="0" bIns="0" rtlCol="0" anchor="t">
             <a:spAutoFit/>
           </a:bodyPr>
           <a:lstStyle/>
           <a:p>
-            <a:pPr algn="l" marL="0" indent="0" lvl="0">
+            <a:pPr marL="0" lvl="0" indent="0" algn="l">
               <a:lnSpc>
                 <a:spcPts val="4200"/>
               </a:lnSpc>
@@ -3428,13 +3412,14 @@
 </file>
 
 <file path=ppt/slides/slide2.xml><?xml version="1.0" encoding="utf-8"?>
-<p:sld xmlns:p="http://schemas.openxmlformats.org/presentationml/2006/main" xmlns:a="http://schemas.openxmlformats.org/drawingml/2006/main" xmlns:r="http://schemas.openxmlformats.org/officeDocument/2006/relationships">
+<p:sld xmlns:a="http://schemas.openxmlformats.org/drawingml/2006/main" xmlns:r="http://schemas.openxmlformats.org/officeDocument/2006/relationships" xmlns:p="http://schemas.openxmlformats.org/presentationml/2006/main">
   <p:cSld>
     <p:bg>
       <p:bgPr>
         <a:solidFill>
           <a:srgbClr val="000000"/>
         </a:solidFill>
+        <a:effectLst/>
       </p:bgPr>
     </p:bg>
     <p:spTree>
@@ -3453,12 +3438,12 @@
       </p:grpSpPr>
       <p:sp>
         <p:nvSpPr>
-          <p:cNvPr name="TextBox 2" id="2"/>
-          <p:cNvSpPr txBox="true"/>
+          <p:cNvPr id="2" name="TextBox 2"/>
+          <p:cNvSpPr txBox="1"/>
           <p:nvPr/>
         </p:nvSpPr>
         <p:spPr>
-          <a:xfrm rot="0">
+          <a:xfrm>
             <a:off x="9139238" y="4295775"/>
             <a:ext cx="9525" cy="1533525"/>
           </a:xfrm>
@@ -3467,7 +3452,7 @@
           </a:prstGeom>
         </p:spPr>
         <p:txBody>
-          <a:bodyPr anchor="t" rtlCol="false" tIns="0" lIns="0" bIns="0" rIns="0">
+          <a:bodyPr lIns="0" tIns="0" rIns="0" bIns="0" rtlCol="0" anchor="t">
             <a:spAutoFit/>
           </a:bodyPr>
           <a:lstStyle/>
@@ -3477,14 +3462,15 @@
                 <a:spcPts val="12599"/>
               </a:lnSpc>
             </a:pPr>
+            <a:endParaRPr/>
           </a:p>
         </p:txBody>
       </p:sp>
       <p:pic>
         <p:nvPicPr>
-          <p:cNvPr name="Picture 3" id="3"/>
+          <p:cNvPr id="3" name="Picture 3"/>
           <p:cNvPicPr>
-            <a:picLocks noChangeAspect="true"/>
+            <a:picLocks noChangeAspect="1"/>
           </p:cNvPicPr>
           <p:nvPr/>
         </p:nvPicPr>
@@ -3495,17 +3481,17 @@
                 <a14:useLocalDpi xmlns:a14="http://schemas.microsoft.com/office/drawing/2010/main" val="0"/>
               </a:ext>
               <a:ext uri="{96DAC541-7B7A-43D3-8B79-37D633B846F1}">
-                <asvg:svgBlip xmlns:asvg="http://schemas.microsoft.com/office/drawing/2016/SVG/main" r:embed="rId3"/>
+                <asvg:svgBlip xmlns:asvg="http://schemas.microsoft.com/office/drawing/2016/SVG/main" xmlns="" r:embed="rId3"/>
               </a:ext>
             </a:extLst>
           </a:blip>
-          <a:srcRect l="0" t="0" r="0" b="0"/>
+          <a:srcRect/>
           <a:stretch>
             <a:fillRect/>
           </a:stretch>
         </p:blipFill>
         <p:spPr>
-          <a:xfrm flipH="false" flipV="false" rot="0">
+          <a:xfrm>
             <a:off x="16002400" y="6360624"/>
             <a:ext cx="1995959" cy="3507276"/>
           </a:xfrm>
@@ -3516,12 +3502,12 @@
       </p:pic>
       <p:sp>
         <p:nvSpPr>
-          <p:cNvPr name="TextBox 4" id="4"/>
-          <p:cNvSpPr txBox="true"/>
+          <p:cNvPr id="4" name="TextBox 4"/>
+          <p:cNvSpPr txBox="1"/>
           <p:nvPr/>
         </p:nvSpPr>
         <p:spPr>
-          <a:xfrm rot="0">
+          <a:xfrm>
             <a:off x="280116" y="1230169"/>
             <a:ext cx="17718242" cy="7702837"/>
           </a:xfrm>
@@ -3530,12 +3516,12 @@
           </a:prstGeom>
         </p:spPr>
         <p:txBody>
-          <a:bodyPr anchor="t" rtlCol="false" tIns="0" lIns="0" bIns="0" rIns="0">
+          <a:bodyPr lIns="0" tIns="0" rIns="0" bIns="0" rtlCol="0" anchor="t">
             <a:spAutoFit/>
           </a:bodyPr>
           <a:lstStyle/>
           <a:p>
-            <a:pPr algn="ctr" marL="1342228" indent="-671114" lvl="1">
+            <a:pPr marL="1342228" lvl="1" indent="-671114" algn="ctr">
               <a:lnSpc>
                 <a:spcPts val="8703"/>
               </a:lnSpc>
@@ -3553,7 +3539,7 @@
             </a:r>
           </a:p>
           <a:p>
-            <a:pPr algn="ctr" marL="1342228" indent="-671114" lvl="1">
+            <a:pPr marL="1342228" lvl="1" indent="-671114" algn="ctr">
               <a:lnSpc>
                 <a:spcPts val="8703"/>
               </a:lnSpc>
@@ -3571,7 +3557,7 @@
             </a:r>
           </a:p>
           <a:p>
-            <a:pPr algn="ctr" marL="1342228" indent="-671114" lvl="1">
+            <a:pPr marL="1342228" lvl="1" indent="-671114" algn="ctr">
               <a:lnSpc>
                 <a:spcPts val="8703"/>
               </a:lnSpc>
@@ -3599,13 +3585,14 @@
 </file>
 
 <file path=ppt/slides/slide3.xml><?xml version="1.0" encoding="utf-8"?>
-<p:sld xmlns:p="http://schemas.openxmlformats.org/presentationml/2006/main" xmlns:a="http://schemas.openxmlformats.org/drawingml/2006/main" xmlns:r="http://schemas.openxmlformats.org/officeDocument/2006/relationships">
+<p:sld xmlns:a="http://schemas.openxmlformats.org/drawingml/2006/main" xmlns:r="http://schemas.openxmlformats.org/officeDocument/2006/relationships" xmlns:p="http://schemas.openxmlformats.org/presentationml/2006/main">
   <p:cSld>
     <p:bg>
       <p:bgPr>
         <a:solidFill>
           <a:srgbClr val="000000"/>
         </a:solidFill>
+        <a:effectLst/>
       </p:bgPr>
     </p:bg>
     <p:spTree>
@@ -3624,30 +3611,30 @@
       </p:grpSpPr>
       <p:pic>
         <p:nvPicPr>
-          <p:cNvPr name="Picture 2" id="2"/>
+          <p:cNvPr id="2" name="Picture 2"/>
           <p:cNvPicPr>
-            <a:picLocks noChangeAspect="true"/>
+            <a:picLocks noChangeAspect="1"/>
           </p:cNvPicPr>
           <p:nvPr/>
         </p:nvPicPr>
         <p:blipFill>
-          <a:blip r:embed="rId2">
+          <a:blip r:embed="rId2" cstate="print">
             <a:extLst>
               <a:ext uri="{28A0092B-C50C-407E-A947-70E740481C1C}">
                 <a14:useLocalDpi xmlns:a14="http://schemas.microsoft.com/office/drawing/2010/main" val="0"/>
               </a:ext>
               <a:ext uri="{96DAC541-7B7A-43D3-8B79-37D633B846F1}">
-                <asvg:svgBlip xmlns:asvg="http://schemas.microsoft.com/office/drawing/2016/SVG/main" r:embed="rId3"/>
+                <asvg:svgBlip xmlns:asvg="http://schemas.microsoft.com/office/drawing/2016/SVG/main" xmlns="" r:embed="rId3"/>
               </a:ext>
             </a:extLst>
           </a:blip>
-          <a:srcRect l="0" t="0" r="0" b="0"/>
+          <a:srcRect/>
           <a:stretch>
             <a:fillRect/>
           </a:stretch>
         </p:blipFill>
         <p:spPr>
-          <a:xfrm flipH="false" flipV="false" rot="0">
+          <a:xfrm>
             <a:off x="15724630" y="4038600"/>
             <a:ext cx="2563370" cy="4114800"/>
           </a:xfrm>
@@ -3658,30 +3645,30 @@
       </p:pic>
       <p:pic>
         <p:nvPicPr>
-          <p:cNvPr name="Picture 3" id="3"/>
+          <p:cNvPr id="3" name="Picture 3"/>
           <p:cNvPicPr>
-            <a:picLocks noChangeAspect="true"/>
+            <a:picLocks noChangeAspect="1"/>
           </p:cNvPicPr>
           <p:nvPr/>
         </p:nvPicPr>
         <p:blipFill>
-          <a:blip r:embed="rId2">
+          <a:blip r:embed="rId2" cstate="print">
             <a:extLst>
               <a:ext uri="{28A0092B-C50C-407E-A947-70E740481C1C}">
                 <a14:useLocalDpi xmlns:a14="http://schemas.microsoft.com/office/drawing/2010/main" val="0"/>
               </a:ext>
               <a:ext uri="{96DAC541-7B7A-43D3-8B79-37D633B846F1}">
-                <asvg:svgBlip xmlns:asvg="http://schemas.microsoft.com/office/drawing/2016/SVG/main" r:embed="rId3"/>
+                <asvg:svgBlip xmlns:asvg="http://schemas.microsoft.com/office/drawing/2016/SVG/main" xmlns="" r:embed="rId3"/>
               </a:ext>
             </a:extLst>
           </a:blip>
-          <a:srcRect l="0" t="0" r="0" b="0"/>
+          <a:srcRect/>
           <a:stretch>
             <a:fillRect/>
           </a:stretch>
         </p:blipFill>
         <p:spPr>
-          <a:xfrm flipH="false" flipV="false" rot="0">
+          <a:xfrm>
             <a:off x="497077" y="5933728"/>
             <a:ext cx="2563370" cy="4114800"/>
           </a:xfrm>
@@ -3692,26 +3679,26 @@
       </p:pic>
       <p:sp>
         <p:nvSpPr>
-          <p:cNvPr name="TextBox 4" id="4"/>
-          <p:cNvSpPr txBox="true"/>
+          <p:cNvPr id="4" name="TextBox 4"/>
+          <p:cNvSpPr txBox="1"/>
           <p:nvPr/>
         </p:nvSpPr>
         <p:spPr>
-          <a:xfrm rot="0">
+          <a:xfrm>
             <a:off x="497077" y="1400522"/>
-            <a:ext cx="17293845" cy="4252516"/>
+            <a:ext cx="17293845" cy="4334520"/>
           </a:xfrm>
           <a:prstGeom prst="rect">
             <a:avLst/>
           </a:prstGeom>
         </p:spPr>
         <p:txBody>
-          <a:bodyPr anchor="t" rtlCol="false" tIns="0" lIns="0" bIns="0" rIns="0">
+          <a:bodyPr lIns="0" tIns="0" rIns="0" bIns="0" rtlCol="0" anchor="t">
             <a:spAutoFit/>
           </a:bodyPr>
           <a:lstStyle/>
           <a:p>
-            <a:pPr marL="1077946" indent="-538973" lvl="1">
+            <a:pPr marL="1077946" lvl="1" indent="-538973">
               <a:lnSpc>
                 <a:spcPts val="6989"/>
               </a:lnSpc>
@@ -3719,13 +3706,202 @@
               <a:buChar char="•"/>
             </a:pPr>
             <a:r>
-              <a:rPr lang="en-US" sz="4992">
+              <a:rPr lang="en-US" sz="4992" dirty="0" err="1">
                 <a:solidFill>
                   <a:srgbClr val="FFFFFF"/>
                 </a:solidFill>
                 <a:latin typeface="Open Sans"/>
               </a:rPr>
-              <a:t>Em que momento da sua história o interesse ou prazer por este tema despertou?</a:t>
+              <a:t>Em</a:t>
+            </a:r>
+            <a:r>
+              <a:rPr lang="en-US" sz="4992" dirty="0">
+                <a:solidFill>
+                  <a:srgbClr val="FFFFFF"/>
+                </a:solidFill>
+                <a:latin typeface="Open Sans"/>
+              </a:rPr>
+              <a:t> que </a:t>
+            </a:r>
+            <a:r>
+              <a:rPr lang="en-US" sz="4992" dirty="0" err="1">
+                <a:solidFill>
+                  <a:srgbClr val="FFFFFF"/>
+                </a:solidFill>
+                <a:latin typeface="Open Sans"/>
+              </a:rPr>
+              <a:t>momento</a:t>
+            </a:r>
+            <a:r>
+              <a:rPr lang="en-US" sz="4992" dirty="0">
+                <a:solidFill>
+                  <a:srgbClr val="FFFFFF"/>
+                </a:solidFill>
+                <a:latin typeface="Open Sans"/>
+              </a:rPr>
+              <a:t> da </a:t>
+            </a:r>
+            <a:r>
+              <a:rPr lang="en-US" sz="4992" dirty="0" err="1">
+                <a:solidFill>
+                  <a:srgbClr val="FFFFFF"/>
+                </a:solidFill>
+                <a:latin typeface="Open Sans"/>
+              </a:rPr>
+              <a:t>sua</a:t>
+            </a:r>
+            <a:r>
+              <a:rPr lang="en-US" sz="4992" dirty="0">
+                <a:solidFill>
+                  <a:srgbClr val="FFFFFF"/>
+                </a:solidFill>
+                <a:latin typeface="Open Sans"/>
+              </a:rPr>
+              <a:t> </a:t>
+            </a:r>
+            <a:r>
+              <a:rPr lang="en-US" sz="4992" dirty="0" err="1">
+                <a:solidFill>
+                  <a:srgbClr val="FFFFFF"/>
+                </a:solidFill>
+                <a:latin typeface="Open Sans"/>
+              </a:rPr>
+              <a:t>história</a:t>
+            </a:r>
+            <a:r>
+              <a:rPr lang="en-US" sz="4992" dirty="0">
+                <a:solidFill>
+                  <a:srgbClr val="FFFFFF"/>
+                </a:solidFill>
+                <a:latin typeface="Open Sans"/>
+              </a:rPr>
+              <a:t> o </a:t>
+            </a:r>
+            <a:r>
+              <a:rPr lang="en-US" sz="4992" dirty="0" err="1">
+                <a:solidFill>
+                  <a:srgbClr val="FFFFFF"/>
+                </a:solidFill>
+                <a:latin typeface="Open Sans"/>
+              </a:rPr>
+              <a:t>interesse</a:t>
+            </a:r>
+            <a:r>
+              <a:rPr lang="en-US" sz="4992" dirty="0">
+                <a:solidFill>
+                  <a:srgbClr val="FFFFFF"/>
+                </a:solidFill>
+                <a:latin typeface="Open Sans"/>
+              </a:rPr>
+              <a:t> </a:t>
+            </a:r>
+            <a:r>
+              <a:rPr lang="en-US" sz="4992" dirty="0" err="1">
+                <a:solidFill>
+                  <a:srgbClr val="FFFFFF"/>
+                </a:solidFill>
+                <a:latin typeface="Open Sans"/>
+              </a:rPr>
+              <a:t>ou</a:t>
+            </a:r>
+            <a:r>
+              <a:rPr lang="en-US" sz="4992" dirty="0">
+                <a:solidFill>
+                  <a:srgbClr val="FFFFFF"/>
+                </a:solidFill>
+                <a:latin typeface="Open Sans"/>
+              </a:rPr>
+              <a:t> </a:t>
+            </a:r>
+            <a:r>
+              <a:rPr lang="en-US" sz="4992" dirty="0" err="1">
+                <a:solidFill>
+                  <a:srgbClr val="FFFFFF"/>
+                </a:solidFill>
+                <a:latin typeface="Open Sans"/>
+              </a:rPr>
+              <a:t>prazer</a:t>
+            </a:r>
+            <a:r>
+              <a:rPr lang="en-US" sz="4992" dirty="0">
+                <a:solidFill>
+                  <a:srgbClr val="FFFFFF"/>
+                </a:solidFill>
+                <a:latin typeface="Open Sans"/>
+              </a:rPr>
+              <a:t> </a:t>
+            </a:r>
+            <a:r>
+              <a:rPr lang="en-US" sz="4992" dirty="0" err="1">
+                <a:solidFill>
+                  <a:srgbClr val="FFFFFF"/>
+                </a:solidFill>
+                <a:latin typeface="Open Sans"/>
+              </a:rPr>
+              <a:t>por</a:t>
+            </a:r>
+            <a:r>
+              <a:rPr lang="en-US" sz="4992" dirty="0">
+                <a:solidFill>
+                  <a:srgbClr val="FFFFFF"/>
+                </a:solidFill>
+                <a:latin typeface="Open Sans"/>
+              </a:rPr>
+              <a:t> </a:t>
+            </a:r>
+            <a:r>
+              <a:rPr lang="en-US" sz="4992" dirty="0" err="1">
+                <a:solidFill>
+                  <a:srgbClr val="FFFFFF"/>
+                </a:solidFill>
+                <a:latin typeface="Open Sans"/>
+              </a:rPr>
+              <a:t>este</a:t>
+            </a:r>
+            <a:r>
+              <a:rPr lang="en-US" sz="4992" dirty="0">
+                <a:solidFill>
+                  <a:srgbClr val="FFFFFF"/>
+                </a:solidFill>
+                <a:latin typeface="Open Sans"/>
+              </a:rPr>
+              <a:t> </a:t>
+            </a:r>
+            <a:r>
+              <a:rPr lang="en-US" sz="4992" dirty="0" err="1">
+                <a:solidFill>
+                  <a:srgbClr val="FFFFFF"/>
+                </a:solidFill>
+                <a:latin typeface="Open Sans"/>
+              </a:rPr>
+              <a:t>tema</a:t>
+            </a:r>
+            <a:r>
+              <a:rPr lang="en-US" sz="4992" dirty="0">
+                <a:solidFill>
+                  <a:srgbClr val="FFFFFF"/>
+                </a:solidFill>
+                <a:latin typeface="Open Sans"/>
+              </a:rPr>
+              <a:t> </a:t>
+            </a:r>
+            <a:r>
+              <a:rPr lang="en-US" sz="4992" dirty="0" err="1">
+                <a:solidFill>
+                  <a:srgbClr val="FFFFFF"/>
+                </a:solidFill>
+                <a:latin typeface="Open Sans"/>
+              </a:rPr>
+              <a:t>despertou</a:t>
+            </a:r>
+            <a:r>
+              <a:rPr lang="en-US" sz="4992" dirty="0">
+                <a:solidFill>
+                  <a:srgbClr val="FFFFFF"/>
+                </a:solidFill>
+                <a:latin typeface="Open Sans"/>
+              </a:rPr>
+              <a:t>?</a:t>
             </a:r>
           </a:p>
           <a:p>
@@ -3734,9 +3910,15 @@
                 <a:spcPts val="6989"/>
               </a:lnSpc>
             </a:pPr>
-          </a:p>
-          <a:p>
-            <a:pPr algn="l" marL="980689" indent="-490345" lvl="1">
+            <a:endParaRPr lang="en-US" sz="4992" dirty="0">
+              <a:solidFill>
+                <a:srgbClr val="FFFFFF"/>
+              </a:solidFill>
+              <a:latin typeface="Open Sans"/>
+            </a:endParaRPr>
+          </a:p>
+          <a:p>
+            <a:pPr marL="980689" lvl="1" indent="-490345" algn="l">
               <a:lnSpc>
                 <a:spcPts val="6359"/>
               </a:lnSpc>
@@ -3744,13 +3926,193 @@
               <a:buChar char="•"/>
             </a:pPr>
             <a:r>
-              <a:rPr lang="en-US" sz="4542">
+              <a:rPr lang="en-US" sz="4542" dirty="0">
                 <a:solidFill>
                   <a:srgbClr val="FFFFFF"/>
                 </a:solidFill>
                 <a:latin typeface="Open Sans"/>
               </a:rPr>
-              <a:t>Como está inserido no seu dia a dia e por que você escolheu este rema?</a:t>
+              <a:t>Como </a:t>
+            </a:r>
+            <a:r>
+              <a:rPr lang="en-US" sz="4542" dirty="0" err="1">
+                <a:solidFill>
+                  <a:srgbClr val="FFFFFF"/>
+                </a:solidFill>
+                <a:latin typeface="Open Sans"/>
+              </a:rPr>
+              <a:t>está</a:t>
+            </a:r>
+            <a:r>
+              <a:rPr lang="en-US" sz="4542" dirty="0">
+                <a:solidFill>
+                  <a:srgbClr val="FFFFFF"/>
+                </a:solidFill>
+                <a:latin typeface="Open Sans"/>
+              </a:rPr>
+              <a:t> </a:t>
+            </a:r>
+            <a:r>
+              <a:rPr lang="en-US" sz="4542" dirty="0" err="1">
+                <a:solidFill>
+                  <a:srgbClr val="FFFFFF"/>
+                </a:solidFill>
+                <a:latin typeface="Open Sans"/>
+              </a:rPr>
+              <a:t>inserido</a:t>
+            </a:r>
+            <a:r>
+              <a:rPr lang="en-US" sz="4542" dirty="0">
+                <a:solidFill>
+                  <a:srgbClr val="FFFFFF"/>
+                </a:solidFill>
+                <a:latin typeface="Open Sans"/>
+              </a:rPr>
+              <a:t> no </a:t>
+            </a:r>
+            <a:r>
+              <a:rPr lang="en-US" sz="4542" dirty="0" err="1">
+                <a:solidFill>
+                  <a:srgbClr val="FFFFFF"/>
+                </a:solidFill>
+                <a:latin typeface="Open Sans"/>
+              </a:rPr>
+              <a:t>seu</a:t>
+            </a:r>
+            <a:r>
+              <a:rPr lang="en-US" sz="4542" dirty="0">
+                <a:solidFill>
+                  <a:srgbClr val="FFFFFF"/>
+                </a:solidFill>
+                <a:latin typeface="Open Sans"/>
+              </a:rPr>
+              <a:t> </a:t>
+            </a:r>
+            <a:r>
+              <a:rPr lang="en-US" sz="4542" dirty="0" err="1">
+                <a:solidFill>
+                  <a:srgbClr val="FFFFFF"/>
+                </a:solidFill>
+                <a:latin typeface="Open Sans"/>
+              </a:rPr>
+              <a:t>dia</a:t>
+            </a:r>
+            <a:r>
+              <a:rPr lang="en-US" sz="4542" dirty="0">
+                <a:solidFill>
+                  <a:srgbClr val="FFFFFF"/>
+                </a:solidFill>
+                <a:latin typeface="Open Sans"/>
+              </a:rPr>
+              <a:t> a </a:t>
+            </a:r>
+            <a:r>
+              <a:rPr lang="en-US" sz="4542" dirty="0" err="1">
+                <a:solidFill>
+                  <a:srgbClr val="FFFFFF"/>
+                </a:solidFill>
+                <a:latin typeface="Open Sans"/>
+              </a:rPr>
+              <a:t>dia</a:t>
+            </a:r>
+            <a:r>
+              <a:rPr lang="en-US" sz="4542" dirty="0">
+                <a:solidFill>
+                  <a:srgbClr val="FFFFFF"/>
+                </a:solidFill>
+                <a:latin typeface="Open Sans"/>
+              </a:rPr>
+              <a:t> e </a:t>
+            </a:r>
+            <a:r>
+              <a:rPr lang="en-US" sz="4542" dirty="0" err="1">
+                <a:solidFill>
+                  <a:srgbClr val="FFFFFF"/>
+                </a:solidFill>
+                <a:latin typeface="Open Sans"/>
+              </a:rPr>
+              <a:t>por</a:t>
+            </a:r>
+            <a:r>
+              <a:rPr lang="en-US" sz="4542" dirty="0">
+                <a:solidFill>
+                  <a:srgbClr val="FFFFFF"/>
+                </a:solidFill>
+                <a:latin typeface="Open Sans"/>
+              </a:rPr>
+              <a:t> que </a:t>
+            </a:r>
+            <a:r>
+              <a:rPr lang="en-US" sz="4542" dirty="0" err="1">
+                <a:solidFill>
+                  <a:srgbClr val="FFFFFF"/>
+                </a:solidFill>
+                <a:latin typeface="Open Sans"/>
+              </a:rPr>
+              <a:t>você</a:t>
+            </a:r>
+            <a:r>
+              <a:rPr lang="en-US" sz="4542" dirty="0">
+                <a:solidFill>
+                  <a:srgbClr val="FFFFFF"/>
+                </a:solidFill>
+                <a:latin typeface="Open Sans"/>
+              </a:rPr>
+              <a:t> </a:t>
+            </a:r>
+            <a:r>
+              <a:rPr lang="en-US" sz="4542" dirty="0" err="1">
+                <a:solidFill>
+                  <a:srgbClr val="FFFFFF"/>
+                </a:solidFill>
+                <a:latin typeface="Open Sans"/>
+              </a:rPr>
+              <a:t>escolheu</a:t>
+            </a:r>
+            <a:r>
+              <a:rPr lang="en-US" sz="4542" dirty="0">
+                <a:solidFill>
+                  <a:srgbClr val="FFFFFF"/>
+                </a:solidFill>
+                <a:latin typeface="Open Sans"/>
+              </a:rPr>
+              <a:t> </a:t>
+            </a:r>
+            <a:r>
+              <a:rPr lang="en-US" sz="4542" dirty="0" err="1">
+                <a:solidFill>
+                  <a:srgbClr val="FFFFFF"/>
+                </a:solidFill>
+                <a:latin typeface="Open Sans"/>
+              </a:rPr>
+              <a:t>este</a:t>
+            </a:r>
+            <a:r>
+              <a:rPr lang="en-US" sz="4542" dirty="0">
+                <a:solidFill>
+                  <a:srgbClr val="FFFFFF"/>
+                </a:solidFill>
+                <a:latin typeface="Open Sans"/>
+              </a:rPr>
+              <a:t> </a:t>
+            </a:r>
+            <a:r>
+              <a:rPr lang="en-US" sz="4542" dirty="0" err="1" smtClean="0">
+                <a:solidFill>
+                  <a:srgbClr val="FFFFFF"/>
+                </a:solidFill>
+                <a:latin typeface="Open Sans"/>
+              </a:rPr>
+              <a:t>tema</a:t>
+            </a:r>
+            <a:r>
+              <a:rPr lang="en-US" sz="4542" dirty="0">
+                <a:solidFill>
+                  <a:srgbClr val="FFFFFF"/>
+                </a:solidFill>
+                <a:latin typeface="Open Sans"/>
+              </a:rPr>
+              <a:t>?</a:t>
             </a:r>
           </a:p>
         </p:txBody>
@@ -3764,13 +4126,14 @@
 </file>
 
 <file path=ppt/slides/slide4.xml><?xml version="1.0" encoding="utf-8"?>
-<p:sld xmlns:p="http://schemas.openxmlformats.org/presentationml/2006/main" xmlns:a="http://schemas.openxmlformats.org/drawingml/2006/main" xmlns:r="http://schemas.openxmlformats.org/officeDocument/2006/relationships">
+<p:sld xmlns:a="http://schemas.openxmlformats.org/drawingml/2006/main" xmlns:r="http://schemas.openxmlformats.org/officeDocument/2006/relationships" xmlns:p="http://schemas.openxmlformats.org/presentationml/2006/main">
   <p:cSld>
     <p:bg>
       <p:bgPr>
         <a:solidFill>
           <a:srgbClr val="000000"/>
         </a:solidFill>
+        <a:effectLst/>
       </p:bgPr>
     </p:bg>
     <p:spTree>
@@ -3789,23 +4152,23 @@
       </p:grpSpPr>
       <p:pic>
         <p:nvPicPr>
-          <p:cNvPr name="Picture 2" id="2"/>
+          <p:cNvPr id="2" name="Picture 2"/>
           <p:cNvPicPr>
-            <a:picLocks noChangeAspect="true"/>
+            <a:picLocks noChangeAspect="1"/>
           </p:cNvPicPr>
           <p:nvPr/>
         </p:nvPicPr>
         <p:blipFill>
           <a:blip r:embed="rId2"/>
-          <a:srcRect l="0" t="0" r="0" b="0"/>
+          <a:srcRect/>
           <a:stretch>
             <a:fillRect/>
           </a:stretch>
         </p:blipFill>
         <p:spPr>
-          <a:xfrm flipH="false" flipV="false" rot="0">
-            <a:off x="4296920" y="1307069"/>
-            <a:ext cx="12697756" cy="8149699"/>
+          <a:xfrm>
+            <a:off x="5287896" y="1943100"/>
+            <a:ext cx="11706779" cy="7513668"/>
           </a:xfrm>
           <a:prstGeom prst="rect">
             <a:avLst/>
@@ -3814,9 +4177,9 @@
       </p:pic>
       <p:pic>
         <p:nvPicPr>
-          <p:cNvPr name="Picture 3" id="3"/>
+          <p:cNvPr id="3" name="Picture 3"/>
           <p:cNvPicPr>
-            <a:picLocks noChangeAspect="true"/>
+            <a:picLocks noChangeAspect="1"/>
           </p:cNvPicPr>
           <p:nvPr/>
         </p:nvPicPr>
@@ -3827,17 +4190,17 @@
                 <a14:useLocalDpi xmlns:a14="http://schemas.microsoft.com/office/drawing/2010/main" val="0"/>
               </a:ext>
               <a:ext uri="{96DAC541-7B7A-43D3-8B79-37D633B846F1}">
-                <asvg:svgBlip xmlns:asvg="http://schemas.microsoft.com/office/drawing/2016/SVG/main" r:embed="rId4"/>
+                <asvg:svgBlip xmlns:asvg="http://schemas.microsoft.com/office/drawing/2016/SVG/main" xmlns="" r:embed="rId4"/>
               </a:ext>
             </a:extLst>
           </a:blip>
-          <a:srcRect l="0" t="0" r="0" b="0"/>
+          <a:srcRect/>
           <a:stretch>
             <a:fillRect/>
           </a:stretch>
         </p:blipFill>
         <p:spPr>
-          <a:xfrm flipH="false" flipV="false" rot="0">
+          <a:xfrm>
             <a:off x="356820" y="5867400"/>
             <a:ext cx="3516284" cy="4114800"/>
           </a:xfrm>
@@ -3848,21 +4211,21 @@
       </p:pic>
       <p:sp>
         <p:nvSpPr>
-          <p:cNvPr name="TextBox 4" id="4"/>
-          <p:cNvSpPr txBox="true"/>
+          <p:cNvPr id="4" name="TextBox 4"/>
+          <p:cNvSpPr txBox="1"/>
           <p:nvPr/>
         </p:nvSpPr>
         <p:spPr>
-          <a:xfrm rot="0">
-            <a:off x="487561" y="180975"/>
-            <a:ext cx="3385542" cy="1533525"/>
+          <a:xfrm>
+            <a:off x="563761" y="180975"/>
+            <a:ext cx="3703439" cy="1615827"/>
           </a:xfrm>
           <a:prstGeom prst="rect">
             <a:avLst/>
           </a:prstGeom>
         </p:spPr>
         <p:txBody>
-          <a:bodyPr anchor="t" rtlCol="false" tIns="0" lIns="0" bIns="0" rIns="0">
+          <a:bodyPr wrap="square" lIns="0" tIns="0" rIns="0" bIns="0" rtlCol="0" anchor="t">
             <a:spAutoFit/>
           </a:bodyPr>
           <a:lstStyle/>
@@ -3873,7 +4236,7 @@
               </a:lnSpc>
             </a:pPr>
             <a:r>
-              <a:rPr lang="en-US" sz="9000">
+              <a:rPr lang="en-US" sz="9000" dirty="0" smtClean="0">
                 <a:solidFill>
                   <a:srgbClr val="FFFFFF"/>
                 </a:solidFill>
@@ -3881,6 +4244,12 @@
               </a:rPr>
               <a:t>Trello</a:t>
             </a:r>
+            <a:endParaRPr lang="en-US" sz="9000" dirty="0">
+              <a:solidFill>
+                <a:srgbClr val="FFFFFF"/>
+              </a:solidFill>
+              <a:latin typeface="Open Sans Extra Bold"/>
+            </a:endParaRPr>
           </a:p>
         </p:txBody>
       </p:sp>
@@ -3893,13 +4262,14 @@
 </file>
 
 <file path=ppt/slides/slide5.xml><?xml version="1.0" encoding="utf-8"?>
-<p:sld xmlns:p="http://schemas.openxmlformats.org/presentationml/2006/main" xmlns:a="http://schemas.openxmlformats.org/drawingml/2006/main" xmlns:r="http://schemas.openxmlformats.org/officeDocument/2006/relationships">
+<p:sld xmlns:a="http://schemas.openxmlformats.org/drawingml/2006/main" xmlns:r="http://schemas.openxmlformats.org/officeDocument/2006/relationships" xmlns:p="http://schemas.openxmlformats.org/presentationml/2006/main">
   <p:cSld>
     <p:bg>
       <p:bgPr>
         <a:solidFill>
           <a:srgbClr val="000000"/>
         </a:solidFill>
+        <a:effectLst/>
       </p:bgPr>
     </p:bg>
     <p:spTree>
@@ -3918,9 +4288,9 @@
       </p:grpSpPr>
       <p:pic>
         <p:nvPicPr>
-          <p:cNvPr name="Picture 2" id="2"/>
+          <p:cNvPr id="2" name="Picture 2"/>
           <p:cNvPicPr>
-            <a:picLocks noChangeAspect="true"/>
+            <a:picLocks noChangeAspect="1"/>
           </p:cNvPicPr>
           <p:nvPr/>
         </p:nvPicPr>
@@ -3931,17 +4301,17 @@
                 <a14:useLocalDpi xmlns:a14="http://schemas.microsoft.com/office/drawing/2010/main" val="0"/>
               </a:ext>
               <a:ext uri="{96DAC541-7B7A-43D3-8B79-37D633B846F1}">
-                <asvg:svgBlip xmlns:asvg="http://schemas.microsoft.com/office/drawing/2016/SVG/main" r:embed="rId3"/>
+                <asvg:svgBlip xmlns:asvg="http://schemas.microsoft.com/office/drawing/2016/SVG/main" xmlns="" r:embed="rId3"/>
               </a:ext>
             </a:extLst>
           </a:blip>
-          <a:srcRect l="0" t="0" r="0" b="0"/>
+          <a:srcRect/>
           <a:stretch>
             <a:fillRect/>
           </a:stretch>
         </p:blipFill>
         <p:spPr>
-          <a:xfrm flipH="false" flipV="false" rot="0">
+          <a:xfrm>
             <a:off x="275930" y="4838700"/>
             <a:ext cx="2896310" cy="5168414"/>
           </a:xfrm>
@@ -3952,9 +4322,9 @@
       </p:pic>
       <p:pic>
         <p:nvPicPr>
-          <p:cNvPr name="Picture 3" id="3"/>
+          <p:cNvPr id="3" name="Picture 3"/>
           <p:cNvPicPr>
-            <a:picLocks noChangeAspect="true"/>
+            <a:picLocks noChangeAspect="1"/>
           </p:cNvPicPr>
           <p:nvPr/>
         </p:nvPicPr>
@@ -3965,17 +4335,17 @@
                 <a14:useLocalDpi xmlns:a14="http://schemas.microsoft.com/office/drawing/2010/main" val="0"/>
               </a:ext>
               <a:ext uri="{96DAC541-7B7A-43D3-8B79-37D633B846F1}">
-                <asvg:svgBlip xmlns:asvg="http://schemas.microsoft.com/office/drawing/2016/SVG/main" r:embed="rId3"/>
+                <asvg:svgBlip xmlns:asvg="http://schemas.microsoft.com/office/drawing/2016/SVG/main" xmlns="" r:embed="rId3"/>
               </a:ext>
             </a:extLst>
           </a:blip>
-          <a:srcRect l="0" t="0" r="0" b="0"/>
+          <a:srcRect/>
           <a:stretch>
             <a:fillRect/>
           </a:stretch>
         </p:blipFill>
         <p:spPr>
-          <a:xfrm flipH="false" flipV="false" rot="0">
+          <a:xfrm>
             <a:off x="15096830" y="4838700"/>
             <a:ext cx="2896310" cy="5168414"/>
           </a:xfrm>
@@ -3986,21 +4356,21 @@
       </p:pic>
       <p:pic>
         <p:nvPicPr>
-          <p:cNvPr name="Picture 4" id="4"/>
+          <p:cNvPr id="4" name="Picture 4"/>
           <p:cNvPicPr>
-            <a:picLocks noChangeAspect="true"/>
+            <a:picLocks noChangeAspect="1"/>
           </p:cNvPicPr>
           <p:nvPr/>
         </p:nvPicPr>
         <p:blipFill>
           <a:blip r:embed="rId4"/>
-          <a:srcRect l="0" t="0" r="0" b="0"/>
+          <a:srcRect/>
           <a:stretch>
             <a:fillRect/>
           </a:stretch>
         </p:blipFill>
         <p:spPr>
-          <a:xfrm flipH="false" flipV="false" rot="0">
+          <a:xfrm>
             <a:off x="3172239" y="3199472"/>
             <a:ext cx="11616817" cy="4698072"/>
           </a:xfrm>
@@ -4011,12 +4381,12 @@
       </p:pic>
       <p:sp>
         <p:nvSpPr>
-          <p:cNvPr name="TextBox 5" id="5"/>
-          <p:cNvSpPr txBox="true"/>
+          <p:cNvPr id="5" name="TextBox 5"/>
+          <p:cNvSpPr txBox="1"/>
           <p:nvPr/>
         </p:nvSpPr>
         <p:spPr>
-          <a:xfrm rot="0">
+          <a:xfrm>
             <a:off x="7215708" y="866775"/>
             <a:ext cx="3856583" cy="1533525"/>
           </a:xfrm>
@@ -4025,7 +4395,7 @@
           </a:prstGeom>
         </p:spPr>
         <p:txBody>
-          <a:bodyPr anchor="t" rtlCol="false" tIns="0" lIns="0" bIns="0" rIns="0">
+          <a:bodyPr lIns="0" tIns="0" rIns="0" bIns="0" rtlCol="0" anchor="t">
             <a:spAutoFit/>
           </a:bodyPr>
           <a:lstStyle/>
@@ -4056,13 +4426,14 @@
 </file>
 
 <file path=ppt/slides/slide6.xml><?xml version="1.0" encoding="utf-8"?>
-<p:sld xmlns:p="http://schemas.openxmlformats.org/presentationml/2006/main" xmlns:a="http://schemas.openxmlformats.org/drawingml/2006/main" xmlns:r="http://schemas.openxmlformats.org/officeDocument/2006/relationships">
+<p:sld xmlns:a="http://schemas.openxmlformats.org/drawingml/2006/main" xmlns:r="http://schemas.openxmlformats.org/officeDocument/2006/relationships" xmlns:p="http://schemas.openxmlformats.org/presentationml/2006/main">
   <p:cSld>
     <p:bg>
       <p:bgPr>
         <a:solidFill>
           <a:srgbClr val="000000"/>
         </a:solidFill>
+        <a:effectLst/>
       </p:bgPr>
     </p:bg>
     <p:spTree>
@@ -4081,9 +4452,9 @@
       </p:grpSpPr>
       <p:pic>
         <p:nvPicPr>
-          <p:cNvPr name="Picture 2" id="2"/>
+          <p:cNvPr id="2" name="Picture 2"/>
           <p:cNvPicPr>
-            <a:picLocks noChangeAspect="true"/>
+            <a:picLocks noChangeAspect="1"/>
           </p:cNvPicPr>
           <p:nvPr/>
         </p:nvPicPr>
@@ -4094,17 +4465,17 @@
                 <a14:useLocalDpi xmlns:a14="http://schemas.microsoft.com/office/drawing/2010/main" val="0"/>
               </a:ext>
               <a:ext uri="{96DAC541-7B7A-43D3-8B79-37D633B846F1}">
-                <asvg:svgBlip xmlns:asvg="http://schemas.microsoft.com/office/drawing/2016/SVG/main" r:embed="rId3"/>
+                <asvg:svgBlip xmlns:asvg="http://schemas.microsoft.com/office/drawing/2016/SVG/main" xmlns="" r:embed="rId3"/>
               </a:ext>
             </a:extLst>
           </a:blip>
-          <a:srcRect l="0" t="0" r="0" b="0"/>
+          <a:srcRect/>
           <a:stretch>
             <a:fillRect/>
           </a:stretch>
         </p:blipFill>
         <p:spPr>
-          <a:xfrm flipH="false" flipV="false" rot="1082127">
+          <a:xfrm rot="1082127">
             <a:off x="16498751" y="8497751"/>
             <a:ext cx="1583076" cy="1583076"/>
           </a:xfrm>
@@ -4115,9 +4486,9 @@
       </p:pic>
       <p:pic>
         <p:nvPicPr>
-          <p:cNvPr name="Picture 3" id="3"/>
+          <p:cNvPr id="3" name="Picture 3"/>
           <p:cNvPicPr>
-            <a:picLocks noChangeAspect="true"/>
+            <a:picLocks noChangeAspect="1"/>
           </p:cNvPicPr>
           <p:nvPr/>
         </p:nvPicPr>
@@ -4128,17 +4499,17 @@
                 <a14:useLocalDpi xmlns:a14="http://schemas.microsoft.com/office/drawing/2010/main" val="0"/>
               </a:ext>
               <a:ext uri="{96DAC541-7B7A-43D3-8B79-37D633B846F1}">
-                <asvg:svgBlip xmlns:asvg="http://schemas.microsoft.com/office/drawing/2016/SVG/main" r:embed="rId5"/>
+                <asvg:svgBlip xmlns:asvg="http://schemas.microsoft.com/office/drawing/2016/SVG/main" xmlns="" r:embed="rId5"/>
               </a:ext>
             </a:extLst>
           </a:blip>
-          <a:srcRect l="0" t="0" r="0" b="0"/>
+          <a:srcRect/>
           <a:stretch>
             <a:fillRect/>
           </a:stretch>
         </p:blipFill>
         <p:spPr>
-          <a:xfrm flipH="false" flipV="false" rot="0">
+          <a:xfrm>
             <a:off x="0" y="6172200"/>
             <a:ext cx="2042437" cy="4114800"/>
           </a:xfrm>
@@ -4149,21 +4520,21 @@
       </p:pic>
       <p:pic>
         <p:nvPicPr>
-          <p:cNvPr name="Picture 4" id="4"/>
+          <p:cNvPr id="4" name="Picture 4"/>
           <p:cNvPicPr>
-            <a:picLocks noChangeAspect="true"/>
+            <a:picLocks noChangeAspect="1"/>
           </p:cNvPicPr>
           <p:nvPr/>
         </p:nvPicPr>
         <p:blipFill>
           <a:blip r:embed="rId6"/>
-          <a:srcRect l="0" t="0" r="0" b="0"/>
+          <a:srcRect/>
           <a:stretch>
             <a:fillRect/>
           </a:stretch>
         </p:blipFill>
         <p:spPr>
-          <a:xfrm flipH="false" flipV="false" rot="0">
+          <a:xfrm>
             <a:off x="3355112" y="2456093"/>
             <a:ext cx="11403700" cy="6802207"/>
           </a:xfrm>
@@ -4174,12 +4545,12 @@
       </p:pic>
       <p:sp>
         <p:nvSpPr>
-          <p:cNvPr name="TextBox 5" id="5"/>
-          <p:cNvSpPr txBox="true"/>
+          <p:cNvPr id="5" name="TextBox 5"/>
+          <p:cNvSpPr txBox="1"/>
           <p:nvPr/>
         </p:nvSpPr>
         <p:spPr>
-          <a:xfrm rot="0">
+          <a:xfrm>
             <a:off x="5256535" y="180975"/>
             <a:ext cx="6936730" cy="1533525"/>
           </a:xfrm>
@@ -4188,7 +4559,7 @@
           </a:prstGeom>
         </p:spPr>
         <p:txBody>
-          <a:bodyPr anchor="t" rtlCol="false" tIns="0" lIns="0" bIns="0" rIns="0">
+          <a:bodyPr lIns="0" tIns="0" rIns="0" bIns="0" rtlCol="0" anchor="t">
             <a:spAutoFit/>
           </a:bodyPr>
           <a:lstStyle/>
@@ -4219,13 +4590,14 @@
 </file>
 
 <file path=ppt/slides/slide7.xml><?xml version="1.0" encoding="utf-8"?>
-<p:sld xmlns:p="http://schemas.openxmlformats.org/presentationml/2006/main" xmlns:a="http://schemas.openxmlformats.org/drawingml/2006/main" xmlns:r="http://schemas.openxmlformats.org/officeDocument/2006/relationships">
+<p:sld xmlns:a="http://schemas.openxmlformats.org/drawingml/2006/main" xmlns:r="http://schemas.openxmlformats.org/officeDocument/2006/relationships" xmlns:p="http://schemas.openxmlformats.org/presentationml/2006/main">
   <p:cSld>
     <p:bg>
       <p:bgPr>
         <a:solidFill>
           <a:srgbClr val="000000"/>
         </a:solidFill>
+        <a:effectLst/>
       </p:bgPr>
     </p:bg>
     <p:spTree>
@@ -4244,30 +4616,30 @@
       </p:grpSpPr>
       <p:pic>
         <p:nvPicPr>
-          <p:cNvPr name="Picture 2" id="2"/>
+          <p:cNvPr id="2" name="Picture 2"/>
           <p:cNvPicPr>
-            <a:picLocks noChangeAspect="true"/>
+            <a:picLocks noChangeAspect="1"/>
           </p:cNvPicPr>
           <p:nvPr/>
         </p:nvPicPr>
         <p:blipFill>
-          <a:blip r:embed="rId2">
+          <a:blip r:embed="rId2" cstate="print">
             <a:extLst>
               <a:ext uri="{28A0092B-C50C-407E-A947-70E740481C1C}">
                 <a14:useLocalDpi xmlns:a14="http://schemas.microsoft.com/office/drawing/2010/main" val="0"/>
               </a:ext>
               <a:ext uri="{96DAC541-7B7A-43D3-8B79-37D633B846F1}">
-                <asvg:svgBlip xmlns:asvg="http://schemas.microsoft.com/office/drawing/2016/SVG/main" r:embed="rId3"/>
+                <asvg:svgBlip xmlns:asvg="http://schemas.microsoft.com/office/drawing/2016/SVG/main" xmlns="" r:embed="rId3"/>
               </a:ext>
             </a:extLst>
           </a:blip>
-          <a:srcRect l="0" t="0" r="0" b="0"/>
+          <a:srcRect/>
           <a:stretch>
             <a:fillRect/>
           </a:stretch>
         </p:blipFill>
         <p:spPr>
-          <a:xfrm flipH="false" flipV="false" rot="0">
+          <a:xfrm>
             <a:off x="15724630" y="4038600"/>
             <a:ext cx="2563370" cy="4114800"/>
           </a:xfrm>
@@ -4278,30 +4650,30 @@
       </p:pic>
       <p:pic>
         <p:nvPicPr>
-          <p:cNvPr name="Picture 3" id="3"/>
+          <p:cNvPr id="3" name="Picture 3"/>
           <p:cNvPicPr>
-            <a:picLocks noChangeAspect="true"/>
+            <a:picLocks noChangeAspect="1"/>
           </p:cNvPicPr>
           <p:nvPr/>
         </p:nvPicPr>
         <p:blipFill>
-          <a:blip r:embed="rId2">
+          <a:blip r:embed="rId2" cstate="print">
             <a:extLst>
               <a:ext uri="{28A0092B-C50C-407E-A947-70E740481C1C}">
                 <a14:useLocalDpi xmlns:a14="http://schemas.microsoft.com/office/drawing/2010/main" val="0"/>
               </a:ext>
               <a:ext uri="{96DAC541-7B7A-43D3-8B79-37D633B846F1}">
-                <asvg:svgBlip xmlns:asvg="http://schemas.microsoft.com/office/drawing/2016/SVG/main" r:embed="rId3"/>
+                <asvg:svgBlip xmlns:asvg="http://schemas.microsoft.com/office/drawing/2016/SVG/main" xmlns="" r:embed="rId3"/>
               </a:ext>
             </a:extLst>
           </a:blip>
-          <a:srcRect l="0" t="0" r="0" b="0"/>
+          <a:srcRect/>
           <a:stretch>
             <a:fillRect/>
           </a:stretch>
         </p:blipFill>
         <p:spPr>
-          <a:xfrm flipH="false" flipV="false" rot="0">
+          <a:xfrm>
             <a:off x="497077" y="5933728"/>
             <a:ext cx="2563370" cy="4114800"/>
           </a:xfrm>
@@ -4312,26 +4684,26 @@
       </p:pic>
       <p:sp>
         <p:nvSpPr>
-          <p:cNvPr name="TextBox 4" id="4"/>
-          <p:cNvSpPr txBox="true"/>
+          <p:cNvPr id="4" name="TextBox 4"/>
+          <p:cNvSpPr txBox="1"/>
           <p:nvPr/>
         </p:nvSpPr>
         <p:spPr>
-          <a:xfrm rot="0">
+          <a:xfrm>
             <a:off x="497077" y="1082889"/>
-            <a:ext cx="17293845" cy="7070511"/>
+            <a:ext cx="17293845" cy="6283771"/>
           </a:xfrm>
           <a:prstGeom prst="rect">
             <a:avLst/>
           </a:prstGeom>
         </p:spPr>
         <p:txBody>
-          <a:bodyPr anchor="t" rtlCol="false" tIns="0" lIns="0" bIns="0" rIns="0">
+          <a:bodyPr lIns="0" tIns="0" rIns="0" bIns="0" rtlCol="0" anchor="t">
             <a:spAutoFit/>
           </a:bodyPr>
           <a:lstStyle/>
           <a:p>
-            <a:pPr marL="1077946" indent="-538973" lvl="1">
+            <a:pPr marL="1077946" lvl="1" indent="-538973">
               <a:lnSpc>
                 <a:spcPts val="6989"/>
               </a:lnSpc>
@@ -4339,7 +4711,7 @@
               <a:buChar char="•"/>
             </a:pPr>
             <a:r>
-              <a:rPr lang="en-US" sz="4992">
+              <a:rPr lang="en-US" sz="4000" dirty="0">
                 <a:solidFill>
                   <a:srgbClr val="FFFFFF"/>
                 </a:solidFill>
@@ -4348,13 +4720,76 @@
               <a:t> </a:t>
             </a:r>
             <a:r>
-              <a:rPr lang="en-US" sz="1200">
+              <a:rPr lang="en-US" sz="4000" dirty="0" err="1">
                 <a:solidFill>
                   <a:srgbClr val="FFFFFF"/>
                 </a:solidFill>
                 <a:latin typeface="Arimo"/>
               </a:rPr>
-              <a:t>Qual foi a maior dificuldade?</a:t>
+              <a:t>Qual</a:t>
+            </a:r>
+            <a:r>
+              <a:rPr lang="en-US" sz="4000" dirty="0">
+                <a:solidFill>
+                  <a:srgbClr val="FFFFFF"/>
+                </a:solidFill>
+                <a:latin typeface="Arimo"/>
+              </a:rPr>
+              <a:t> </a:t>
+            </a:r>
+            <a:r>
+              <a:rPr lang="en-US" sz="4000" dirty="0" err="1">
+                <a:solidFill>
+                  <a:srgbClr val="FFFFFF"/>
+                </a:solidFill>
+                <a:latin typeface="Arimo"/>
+              </a:rPr>
+              <a:t>foi</a:t>
+            </a:r>
+            <a:r>
+              <a:rPr lang="en-US" sz="4000" dirty="0">
+                <a:solidFill>
+                  <a:srgbClr val="FFFFFF"/>
+                </a:solidFill>
+                <a:latin typeface="Arimo"/>
+              </a:rPr>
+              <a:t> a </a:t>
+            </a:r>
+            <a:r>
+              <a:rPr lang="en-US" sz="4000" dirty="0" err="1">
+                <a:solidFill>
+                  <a:srgbClr val="FFFFFF"/>
+                </a:solidFill>
+                <a:latin typeface="Arimo"/>
+              </a:rPr>
+              <a:t>maior</a:t>
+            </a:r>
+            <a:r>
+              <a:rPr lang="en-US" sz="4000" dirty="0">
+                <a:solidFill>
+                  <a:srgbClr val="FFFFFF"/>
+                </a:solidFill>
+                <a:latin typeface="Arimo"/>
+              </a:rPr>
+              <a:t> </a:t>
+            </a:r>
+            <a:r>
+              <a:rPr lang="en-US" sz="4000" dirty="0" err="1">
+                <a:solidFill>
+                  <a:srgbClr val="FFFFFF"/>
+                </a:solidFill>
+                <a:latin typeface="Arimo"/>
+              </a:rPr>
+              <a:t>dificuldade</a:t>
+            </a:r>
+            <a:r>
+              <a:rPr lang="en-US" sz="4000" dirty="0">
+                <a:solidFill>
+                  <a:srgbClr val="FFFFFF"/>
+                </a:solidFill>
+                <a:latin typeface="Arimo"/>
+              </a:rPr>
+              <a:t>?</a:t>
             </a:r>
           </a:p>
           <a:p>
@@ -4363,9 +4798,15 @@
                 <a:spcPts val="6989"/>
               </a:lnSpc>
             </a:pPr>
-          </a:p>
-          <a:p>
-            <a:pPr marL="1077946" indent="-538973" lvl="1">
+            <a:endParaRPr lang="en-US" sz="1200" dirty="0">
+              <a:solidFill>
+                <a:srgbClr val="FFFFFF"/>
+              </a:solidFill>
+              <a:latin typeface="Arimo"/>
+            </a:endParaRPr>
+          </a:p>
+          <a:p>
+            <a:pPr marL="1077946" lvl="1" indent="-538973">
               <a:lnSpc>
                 <a:spcPts val="6989"/>
               </a:lnSpc>
@@ -4373,13 +4814,148 @@
               <a:buChar char="•"/>
             </a:pPr>
             <a:r>
-              <a:rPr lang="en-US" sz="1200">
+              <a:rPr lang="en-US" sz="4000" dirty="0" err="1">
                 <a:solidFill>
                   <a:srgbClr val="FFFFFF"/>
                 </a:solidFill>
                 <a:latin typeface="Arimo"/>
               </a:rPr>
-              <a:t>Qual foi a maior superação na realização desse desafio?</a:t>
+              <a:t>Qual</a:t>
+            </a:r>
+            <a:r>
+              <a:rPr lang="en-US" sz="4000" dirty="0">
+                <a:solidFill>
+                  <a:srgbClr val="FFFFFF"/>
+                </a:solidFill>
+                <a:latin typeface="Arimo"/>
+              </a:rPr>
+              <a:t> </a:t>
+            </a:r>
+            <a:r>
+              <a:rPr lang="en-US" sz="4000" dirty="0" err="1">
+                <a:solidFill>
+                  <a:srgbClr val="FFFFFF"/>
+                </a:solidFill>
+                <a:latin typeface="Arimo"/>
+              </a:rPr>
+              <a:t>foi</a:t>
+            </a:r>
+            <a:r>
+              <a:rPr lang="en-US" sz="4000" dirty="0">
+                <a:solidFill>
+                  <a:srgbClr val="FFFFFF"/>
+                </a:solidFill>
+                <a:latin typeface="Arimo"/>
+              </a:rPr>
+              <a:t> a </a:t>
+            </a:r>
+            <a:r>
+              <a:rPr lang="en-US" sz="4000" dirty="0" err="1">
+                <a:solidFill>
+                  <a:srgbClr val="FFFFFF"/>
+                </a:solidFill>
+                <a:latin typeface="Arimo"/>
+              </a:rPr>
+              <a:t>maior</a:t>
+            </a:r>
+            <a:r>
+              <a:rPr lang="en-US" sz="4000" dirty="0">
+                <a:solidFill>
+                  <a:srgbClr val="FFFFFF"/>
+                </a:solidFill>
+                <a:latin typeface="Arimo"/>
+              </a:rPr>
+              <a:t> </a:t>
+            </a:r>
+            <a:r>
+              <a:rPr lang="en-US" sz="4000" dirty="0" err="1">
+                <a:solidFill>
+                  <a:srgbClr val="FFFFFF"/>
+                </a:solidFill>
+                <a:latin typeface="Arimo"/>
+              </a:rPr>
+              <a:t>superação</a:t>
+            </a:r>
+            <a:r>
+              <a:rPr lang="en-US" sz="4000" dirty="0">
+                <a:solidFill>
+                  <a:srgbClr val="FFFFFF"/>
+                </a:solidFill>
+                <a:latin typeface="Arimo"/>
+              </a:rPr>
+              <a:t> </a:t>
+            </a:r>
+            <a:r>
+              <a:rPr lang="en-US" sz="4000" dirty="0" err="1">
+                <a:solidFill>
+                  <a:srgbClr val="FFFFFF"/>
+                </a:solidFill>
+                <a:latin typeface="Arimo"/>
+              </a:rPr>
+              <a:t>na</a:t>
+            </a:r>
+            <a:r>
+              <a:rPr lang="en-US" sz="4000" dirty="0">
+                <a:solidFill>
+                  <a:srgbClr val="FFFFFF"/>
+                </a:solidFill>
+                <a:latin typeface="Arimo"/>
+              </a:rPr>
+              <a:t> </a:t>
+            </a:r>
+            <a:r>
+              <a:rPr lang="en-US" sz="4000" dirty="0" err="1">
+                <a:solidFill>
+                  <a:srgbClr val="FFFFFF"/>
+                </a:solidFill>
+                <a:latin typeface="Arimo"/>
+              </a:rPr>
+              <a:t>realização</a:t>
+            </a:r>
+            <a:r>
+              <a:rPr lang="en-US" sz="4000" dirty="0">
+                <a:solidFill>
+                  <a:srgbClr val="FFFFFF"/>
+                </a:solidFill>
+                <a:latin typeface="Arimo"/>
+              </a:rPr>
+              <a:t> </a:t>
+            </a:r>
+            <a:r>
+              <a:rPr lang="en-US" sz="4000" dirty="0" err="1">
+                <a:solidFill>
+                  <a:srgbClr val="FFFFFF"/>
+                </a:solidFill>
+                <a:latin typeface="Arimo"/>
+              </a:rPr>
+              <a:t>desse</a:t>
+            </a:r>
+            <a:r>
+              <a:rPr lang="en-US" sz="4000" dirty="0">
+                <a:solidFill>
+                  <a:srgbClr val="FFFFFF"/>
+                </a:solidFill>
+                <a:latin typeface="Arimo"/>
+              </a:rPr>
+              <a:t> </a:t>
+            </a:r>
+            <a:r>
+              <a:rPr lang="en-US" sz="4000" dirty="0" err="1">
+                <a:solidFill>
+                  <a:srgbClr val="FFFFFF"/>
+                </a:solidFill>
+                <a:latin typeface="Arimo"/>
+              </a:rPr>
+              <a:t>desafio</a:t>
+            </a:r>
+            <a:r>
+              <a:rPr lang="en-US" sz="4000" dirty="0">
+                <a:solidFill>
+                  <a:srgbClr val="FFFFFF"/>
+                </a:solidFill>
+                <a:latin typeface="Arimo"/>
+              </a:rPr>
+              <a:t>?</a:t>
             </a:r>
           </a:p>
           <a:p>
@@ -4388,9 +4964,15 @@
                 <a:spcPts val="6989"/>
               </a:lnSpc>
             </a:pPr>
-          </a:p>
-          <a:p>
-            <a:pPr marL="1077946" indent="-538973" lvl="1">
+            <a:endParaRPr lang="en-US" sz="1200" dirty="0">
+              <a:solidFill>
+                <a:srgbClr val="FFFFFF"/>
+              </a:solidFill>
+              <a:latin typeface="Arimo"/>
+            </a:endParaRPr>
+          </a:p>
+          <a:p>
+            <a:pPr marL="1077946" lvl="1" indent="-538973">
               <a:lnSpc>
                 <a:spcPts val="6989"/>
               </a:lnSpc>
@@ -4398,13 +4980,220 @@
               <a:buChar char="•"/>
             </a:pPr>
             <a:r>
-              <a:rPr lang="en-US" sz="1200">
+              <a:rPr lang="en-US" sz="4000" dirty="0" err="1">
                 <a:solidFill>
                   <a:srgbClr val="FFFFFF"/>
                 </a:solidFill>
                 <a:latin typeface="Arimo"/>
               </a:rPr>
-              <a:t>Há alguém que deva receber a sua gratidão por você ter conseguido chegar ao resultado final?</a:t>
+              <a:t>Há</a:t>
+            </a:r>
+            <a:r>
+              <a:rPr lang="en-US" sz="4000" dirty="0">
+                <a:solidFill>
+                  <a:srgbClr val="FFFFFF"/>
+                </a:solidFill>
+                <a:latin typeface="Arimo"/>
+              </a:rPr>
+              <a:t> </a:t>
+            </a:r>
+            <a:r>
+              <a:rPr lang="en-US" sz="4000" dirty="0" err="1">
+                <a:solidFill>
+                  <a:srgbClr val="FFFFFF"/>
+                </a:solidFill>
+                <a:latin typeface="Arimo"/>
+              </a:rPr>
+              <a:t>alguém</a:t>
+            </a:r>
+            <a:r>
+              <a:rPr lang="en-US" sz="4000" dirty="0">
+                <a:solidFill>
+                  <a:srgbClr val="FFFFFF"/>
+                </a:solidFill>
+                <a:latin typeface="Arimo"/>
+              </a:rPr>
+              <a:t> que deva </a:t>
+            </a:r>
+            <a:r>
+              <a:rPr lang="en-US" sz="4000" dirty="0" err="1">
+                <a:solidFill>
+                  <a:srgbClr val="FFFFFF"/>
+                </a:solidFill>
+                <a:latin typeface="Arimo"/>
+              </a:rPr>
+              <a:t>receber</a:t>
+            </a:r>
+            <a:r>
+              <a:rPr lang="en-US" sz="4000" dirty="0">
+                <a:solidFill>
+                  <a:srgbClr val="FFFFFF"/>
+                </a:solidFill>
+                <a:latin typeface="Arimo"/>
+              </a:rPr>
+              <a:t> a </a:t>
+            </a:r>
+            <a:r>
+              <a:rPr lang="en-US" sz="4000" dirty="0" err="1">
+                <a:solidFill>
+                  <a:srgbClr val="FFFFFF"/>
+                </a:solidFill>
+                <a:latin typeface="Arimo"/>
+              </a:rPr>
+              <a:t>sua</a:t>
+            </a:r>
+            <a:r>
+              <a:rPr lang="en-US" sz="4000" dirty="0">
+                <a:solidFill>
+                  <a:srgbClr val="FFFFFF"/>
+                </a:solidFill>
+                <a:latin typeface="Arimo"/>
+              </a:rPr>
+              <a:t> </a:t>
+            </a:r>
+            <a:r>
+              <a:rPr lang="en-US" sz="4000" dirty="0" err="1">
+                <a:solidFill>
+                  <a:srgbClr val="FFFFFF"/>
+                </a:solidFill>
+                <a:latin typeface="Arimo"/>
+              </a:rPr>
+              <a:t>gratidão</a:t>
+            </a:r>
+            <a:r>
+              <a:rPr lang="en-US" sz="4000" dirty="0">
+                <a:solidFill>
+                  <a:srgbClr val="FFFFFF"/>
+                </a:solidFill>
+                <a:latin typeface="Arimo"/>
+              </a:rPr>
+              <a:t> </a:t>
+            </a:r>
+            <a:r>
+              <a:rPr lang="en-US" sz="4000" dirty="0" err="1">
+                <a:solidFill>
+                  <a:srgbClr val="FFFFFF"/>
+                </a:solidFill>
+                <a:latin typeface="Arimo"/>
+              </a:rPr>
+              <a:t>por</a:t>
+            </a:r>
+            <a:r>
+              <a:rPr lang="en-US" sz="4000" dirty="0">
+                <a:solidFill>
+                  <a:srgbClr val="FFFFFF"/>
+                </a:solidFill>
+                <a:latin typeface="Arimo"/>
+              </a:rPr>
+              <a:t> </a:t>
+            </a:r>
+            <a:r>
+              <a:rPr lang="en-US" sz="4000" dirty="0" err="1">
+                <a:solidFill>
+                  <a:srgbClr val="FFFFFF"/>
+                </a:solidFill>
+                <a:latin typeface="Arimo"/>
+              </a:rPr>
+              <a:t>você</a:t>
+            </a:r>
+            <a:r>
+              <a:rPr lang="en-US" sz="4000" dirty="0">
+                <a:solidFill>
+                  <a:srgbClr val="FFFFFF"/>
+                </a:solidFill>
+                <a:latin typeface="Arimo"/>
+              </a:rPr>
+              <a:t> </a:t>
+            </a:r>
+            <a:r>
+              <a:rPr lang="en-US" sz="4000" dirty="0" err="1">
+                <a:solidFill>
+                  <a:srgbClr val="FFFFFF"/>
+                </a:solidFill>
+                <a:latin typeface="Arimo"/>
+              </a:rPr>
+              <a:t>ter</a:t>
+            </a:r>
+            <a:r>
+              <a:rPr lang="en-US" sz="4000" dirty="0">
+                <a:solidFill>
+                  <a:srgbClr val="FFFFFF"/>
+                </a:solidFill>
+                <a:latin typeface="Arimo"/>
+              </a:rPr>
+              <a:t> </a:t>
+            </a:r>
+            <a:r>
+              <a:rPr lang="en-US" sz="4000" dirty="0" err="1">
+                <a:solidFill>
+                  <a:srgbClr val="FFFFFF"/>
+                </a:solidFill>
+                <a:latin typeface="Arimo"/>
+              </a:rPr>
+              <a:t>conseguido</a:t>
+            </a:r>
+            <a:r>
+              <a:rPr lang="en-US" sz="4000" dirty="0">
+                <a:solidFill>
+                  <a:srgbClr val="FFFFFF"/>
+                </a:solidFill>
+                <a:latin typeface="Arimo"/>
+              </a:rPr>
+              <a:t> </a:t>
+            </a:r>
+            <a:r>
+              <a:rPr lang="en-US" sz="4000" dirty="0" err="1">
+                <a:solidFill>
+                  <a:srgbClr val="FFFFFF"/>
+                </a:solidFill>
+                <a:latin typeface="Arimo"/>
+              </a:rPr>
+              <a:t>chegar</a:t>
+            </a:r>
+            <a:r>
+              <a:rPr lang="en-US" sz="4000" dirty="0">
+                <a:solidFill>
+                  <a:srgbClr val="FFFFFF"/>
+                </a:solidFill>
+                <a:latin typeface="Arimo"/>
+              </a:rPr>
+              <a:t> </a:t>
+            </a:r>
+            <a:r>
+              <a:rPr lang="en-US" sz="4000" dirty="0" err="1">
+                <a:solidFill>
+                  <a:srgbClr val="FFFFFF"/>
+                </a:solidFill>
+                <a:latin typeface="Arimo"/>
+              </a:rPr>
+              <a:t>ao</a:t>
+            </a:r>
+            <a:r>
+              <a:rPr lang="en-US" sz="4000" dirty="0">
+                <a:solidFill>
+                  <a:srgbClr val="FFFFFF"/>
+                </a:solidFill>
+                <a:latin typeface="Arimo"/>
+              </a:rPr>
+              <a:t> </a:t>
+            </a:r>
+            <a:r>
+              <a:rPr lang="en-US" sz="4000" dirty="0" err="1">
+                <a:solidFill>
+                  <a:srgbClr val="FFFFFF"/>
+                </a:solidFill>
+                <a:latin typeface="Arimo"/>
+              </a:rPr>
+              <a:t>resultado</a:t>
+            </a:r>
+            <a:r>
+              <a:rPr lang="en-US" sz="4000" dirty="0">
+                <a:solidFill>
+                  <a:srgbClr val="FFFFFF"/>
+                </a:solidFill>
+                <a:latin typeface="Arimo"/>
+              </a:rPr>
+              <a:t> final?</a:t>
             </a:r>
           </a:p>
           <a:p>
@@ -4413,6 +5202,12 @@
                 <a:spcPts val="6989"/>
               </a:lnSpc>
             </a:pPr>
+            <a:endParaRPr lang="en-US" sz="1200" dirty="0">
+              <a:solidFill>
+                <a:srgbClr val="FFFFFF"/>
+              </a:solidFill>
+              <a:latin typeface="Arimo"/>
+            </a:endParaRPr>
           </a:p>
         </p:txBody>
       </p:sp>
